--- a/content/New-Media-Projects/Prototype/Week 13 Presentation.pptx
+++ b/content/New-Media-Projects/Prototype/Week 13 Presentation.pptx
@@ -14,23 +14,24 @@
     <p:sldId id="259" r:id="rId9"/>
     <p:sldId id="260" r:id="rId10"/>
     <p:sldId id="261" r:id="rId11"/>
+    <p:sldId id="262" r:id="rId12"/>
   </p:sldIdLst>
   <p:sldSz cy="5143500" cx="9144000"/>
   <p:notesSz cx="6858000" cy="9144000"/>
   <p:embeddedFontLst>
     <p:embeddedFont>
       <p:font typeface="Montserrat"/>
-      <p:regular r:id="rId12"/>
-      <p:bold r:id="rId13"/>
-      <p:italic r:id="rId14"/>
-      <p:boldItalic r:id="rId15"/>
+      <p:regular r:id="rId13"/>
+      <p:bold r:id="rId14"/>
+      <p:italic r:id="rId15"/>
+      <p:boldItalic r:id="rId16"/>
     </p:embeddedFont>
     <p:embeddedFont>
       <p:font typeface="Lato"/>
-      <p:regular r:id="rId16"/>
-      <p:bold r:id="rId17"/>
-      <p:italic r:id="rId18"/>
-      <p:boldItalic r:id="rId19"/>
+      <p:regular r:id="rId17"/>
+      <p:bold r:id="rId18"/>
+      <p:italic r:id="rId19"/>
+      <p:boldItalic r:id="rId20"/>
     </p:embeddedFont>
   </p:embeddedFontLst>
   <p:defaultTextStyle>
@@ -1122,7 +1123,7 @@
       </p:grpSpPr>
       <p:sp>
         <p:nvSpPr>
-          <p:cNvPr id="158" name="Google Shape;158;g2cdeef48c0b_0_143:notes"/>
+          <p:cNvPr id="158" name="Google Shape;158;g2ce00a7490e_0_0:notes"/>
           <p:cNvSpPr/>
           <p:nvPr>
             <p:ph idx="2" type="sldImg"/>
@@ -1157,7 +1158,7 @@
       </p:sp>
       <p:sp>
         <p:nvSpPr>
-          <p:cNvPr id="159" name="Google Shape;159;g2cdeef48c0b_0_143:notes"/>
+          <p:cNvPr id="159" name="Google Shape;159;g2ce00a7490e_0_0:notes"/>
           <p:cNvSpPr txBox="1"/>
           <p:nvPr>
             <p:ph idx="1" type="body"/>
@@ -1221,7 +1222,7 @@
       </p:grpSpPr>
       <p:sp>
         <p:nvSpPr>
-          <p:cNvPr id="165" name="Google Shape;165;g2cdeef48c0b_0_153:notes"/>
+          <p:cNvPr id="165" name="Google Shape;165;g2cdeef48c0b_0_143:notes"/>
           <p:cNvSpPr/>
           <p:nvPr>
             <p:ph idx="2" type="sldImg"/>
@@ -1256,7 +1257,106 @@
       </p:sp>
       <p:sp>
         <p:nvSpPr>
-          <p:cNvPr id="166" name="Google Shape;166;g2cdeef48c0b_0_153:notes"/>
+          <p:cNvPr id="166" name="Google Shape;166;g2cdeef48c0b_0_143:notes"/>
+          <p:cNvSpPr txBox="1"/>
+          <p:nvPr>
+            <p:ph idx="1" type="body"/>
+          </p:nvPr>
+        </p:nvSpPr>
+        <p:spPr>
+          <a:xfrm>
+            <a:off x="685800" y="4343400"/>
+            <a:ext cx="5486400" cy="4114800"/>
+          </a:xfrm>
+          <a:prstGeom prst="rect">
+            <a:avLst/>
+          </a:prstGeom>
+        </p:spPr>
+        <p:txBody>
+          <a:bodyPr anchorCtr="0" anchor="t" bIns="91425" lIns="91425" spcFirstLastPara="1" rIns="91425" wrap="square" tIns="91425">
+            <a:noAutofit/>
+          </a:bodyPr>
+          <a:lstStyle/>
+          <a:p>
+            <a:pPr indent="0" lvl="0" marL="0" rtl="0" algn="l">
+              <a:spcBef>
+                <a:spcPts val="0"/>
+              </a:spcBef>
+              <a:spcAft>
+                <a:spcPts val="0"/>
+              </a:spcAft>
+              <a:buNone/>
+            </a:pPr>
+            <a:r>
+              <a:t/>
+            </a:r>
+            <a:endParaRPr/>
+          </a:p>
+        </p:txBody>
+      </p:sp>
+    </p:spTree>
+  </p:cSld>
+  <p:clrMapOvr>
+    <a:masterClrMapping/>
+  </p:clrMapOvr>
+</p:notes>
+</file>
+
+<file path=ppt/notesSlides/notesSlide7.xml><?xml version="1.0" encoding="utf-8"?>
+<p:notes xmlns:a="http://schemas.openxmlformats.org/drawingml/2006/main" xmlns:r="http://schemas.openxmlformats.org/officeDocument/2006/relationships" xmlns:mc="http://schemas.openxmlformats.org/markup-compatibility/2006" xmlns:mv="urn:schemas-microsoft-com:mac:vml" xmlns:p="http://schemas.openxmlformats.org/presentationml/2006/main" xmlns:c="http://schemas.openxmlformats.org/drawingml/2006/chart" xmlns:dgm="http://schemas.openxmlformats.org/drawingml/2006/diagram" xmlns:o="urn:schemas-microsoft-com:office:office" xmlns:v="urn:schemas-microsoft-com:vml" xmlns:pvml="urn:schemas-microsoft-com:office:powerpoint" xmlns:com="http://schemas.openxmlformats.org/drawingml/2006/compatibility" xmlns:p14="http://schemas.microsoft.com/office/powerpoint/2010/main" xmlns:p15="http://schemas.microsoft.com/office/powerpoint/2012/main" xmlns:ahyp="http://schemas.microsoft.com/office/drawing/2018/hyperlinkcolor" showMasterPhAnim="0" showMasterSp="0">
+  <p:cSld>
+    <p:spTree>
+      <p:nvGrpSpPr>
+        <p:cNvPr id="171" name="Shape 171"/>
+        <p:cNvGrpSpPr/>
+        <p:nvPr/>
+      </p:nvGrpSpPr>
+      <p:grpSpPr>
+        <a:xfrm>
+          <a:off x="0" y="0"/>
+          <a:ext cx="0" cy="0"/>
+          <a:chOff x="0" y="0"/>
+          <a:chExt cx="0" cy="0"/>
+        </a:xfrm>
+      </p:grpSpPr>
+      <p:sp>
+        <p:nvSpPr>
+          <p:cNvPr id="172" name="Google Shape;172;g2cdeef48c0b_0_153:notes"/>
+          <p:cNvSpPr/>
+          <p:nvPr>
+            <p:ph idx="2" type="sldImg"/>
+          </p:nvPr>
+        </p:nvSpPr>
+        <p:spPr>
+          <a:xfrm>
+            <a:off x="381300" y="685800"/>
+            <a:ext cx="6096000" cy="3429000"/>
+          </a:xfrm>
+          <a:custGeom>
+            <a:rect b="b" l="l" r="r" t="t"/>
+            <a:pathLst>
+              <a:path extrusionOk="0" h="120000" w="120000">
+                <a:moveTo>
+                  <a:pt x="0" y="0"/>
+                </a:moveTo>
+                <a:lnTo>
+                  <a:pt x="120000" y="0"/>
+                </a:lnTo>
+                <a:lnTo>
+                  <a:pt x="120000" y="120000"/>
+                </a:lnTo>
+                <a:lnTo>
+                  <a:pt x="0" y="120000"/>
+                </a:lnTo>
+                <a:close/>
+              </a:path>
+            </a:pathLst>
+          </a:custGeom>
+        </p:spPr>
+      </p:sp>
+      <p:sp>
+        <p:nvSpPr>
+          <p:cNvPr id="173" name="Google Shape;173;g2cdeef48c0b_0_153:notes"/>
           <p:cNvSpPr txBox="1"/>
           <p:nvPr>
             <p:ph idx="1" type="body"/>
@@ -9874,8 +9974,8 @@
         </p:blipFill>
         <p:spPr>
           <a:xfrm>
-            <a:off x="6111601" y="2072850"/>
-            <a:ext cx="1932775" cy="2933051"/>
+            <a:off x="6082450" y="2086225"/>
+            <a:ext cx="1902844" cy="2904874"/>
           </a:xfrm>
           <a:prstGeom prst="rect">
             <a:avLst/>
@@ -10138,7 +10238,7 @@
         <p:spPr>
           <a:xfrm>
             <a:off x="1297500" y="393750"/>
-            <a:ext cx="3798900" cy="1493100"/>
+            <a:ext cx="7038900" cy="598500"/>
           </a:xfrm>
           <a:prstGeom prst="rect">
             <a:avLst/>
@@ -10160,13 +10260,8 @@
               <a:buNone/>
             </a:pPr>
             <a:r>
-              <a:rPr lang="en" u="sng">
-                <a:solidFill>
-                  <a:schemeClr val="hlink"/>
-                </a:solidFill>
-                <a:hlinkClick r:id="rId3"/>
-              </a:rPr>
-              <a:t>Scanning PDF for Inputs Prototype</a:t>
+              <a:rPr lang="en"/>
+              <a:t>Scanning PDF for Inputs: False Negatives</a:t>
             </a:r>
             <a:endParaRPr/>
           </a:p>
@@ -10182,8 +10277,8 @@
         </p:nvSpPr>
         <p:spPr>
           <a:xfrm>
-            <a:off x="1297500" y="1972550"/>
-            <a:ext cx="3798900" cy="2415900"/>
+            <a:off x="1297500" y="992250"/>
+            <a:ext cx="7038900" cy="2911200"/>
           </a:xfrm>
           <a:prstGeom prst="rect">
             <a:avLst/>
@@ -10200,21 +10295,55 @@
                 <a:spcPts val="0"/>
               </a:spcBef>
               <a:spcAft>
-                <a:spcPts val="1200"/>
+                <a:spcPts val="0"/>
               </a:spcAft>
               <a:buNone/>
             </a:pPr>
             <a:r>
               <a:rPr lang="en"/>
-              <a:t>Here is a prototype made in Figma that shows what the interface for this program might look like. For each input that the program finds, it </a:t>
+              <a:t>In order to prevent false negatives (the program not detecting an input), the program must contain an interface that the form creator can use to manually add fields.</a:t>
+            </a:r>
+            <a:br>
+              <a:rPr lang="en"/>
+            </a:br>
+            <a:r>
+              <a:rPr lang="en"/>
+              <a:t>For example, the program will always look for a line with the word “Signature” and make it a field. The form administrator must be able to add their own keywords.</a:t>
+            </a:r>
+            <a:endParaRPr/>
+          </a:p>
+          <a:p>
+            <a:pPr indent="0" lvl="0" marL="0" rtl="0" algn="l">
+              <a:spcBef>
+                <a:spcPts val="1200"/>
+              </a:spcBef>
+              <a:spcAft>
+                <a:spcPts val="1200"/>
+              </a:spcAft>
+              <a:buNone/>
+            </a:pPr>
+            <a:r>
+              <a:rPr lang="en"/>
+              <a:t>Once a </a:t>
             </a:r>
             <a:r>
               <a:rPr lang="en"/>
-              <a:t>will</a:t>
+              <a:t>keyword</a:t>
             </a:r>
             <a:r>
               <a:rPr lang="en"/>
-              <a:t> zoom in on that part of the PDF, then have a text box below for input. The user would be able to drag their finger along the pdf part of the screen to pan it and read text that might be cut off.</a:t>
+              <a:t> has been added, it </a:t>
+            </a:r>
+            <a:r>
+              <a:rPr lang="en"/>
+              <a:t>should stay for all future forms (unless it is deleted).</a:t>
+            </a:r>
+            <a:br>
+              <a:rPr lang="en"/>
+            </a:br>
+            <a:r>
+              <a:rPr lang="en"/>
+              <a:t>In order to ensure that the process of adding keywords remains quick, and is not slowed down by the need to use multiple languages of forms, maybe the program could connect to a machine translating service and automatically translate the english keyword that the form administrator enters. Since keywords will likely be a single word, I hope that the machine translation would produce accurate results.</a:t>
             </a:r>
             <a:endParaRPr/>
           </a:p>
@@ -10222,14 +10351,12 @@
       </p:sp>
       <p:pic>
         <p:nvPicPr>
-          <p:cNvPr id="163" name="Google Shape;163;p17">
-            <a:hlinkClick r:id="rId4"/>
-          </p:cNvPr>
+          <p:cNvPr id="163" name="Google Shape;163;p17"/>
           <p:cNvPicPr preferRelativeResize="0"/>
           <p:nvPr/>
         </p:nvPicPr>
         <p:blipFill>
-          <a:blip r:embed="rId5">
+          <a:blip r:embed="rId3">
             <a:alphaModFix/>
           </a:blip>
           <a:stretch>
@@ -10238,8 +10365,8 @@
         </p:blipFill>
         <p:spPr>
           <a:xfrm>
-            <a:off x="5556725" y="393750"/>
-            <a:ext cx="2978125" cy="4453525"/>
+            <a:off x="1994963" y="3550850"/>
+            <a:ext cx="5154075" cy="1539875"/>
           </a:xfrm>
           <a:prstGeom prst="rect">
             <a:avLst/>
@@ -10278,6 +10405,154 @@
       <p:sp>
         <p:nvSpPr>
           <p:cNvPr id="168" name="Google Shape;168;p18"/>
+          <p:cNvSpPr txBox="1"/>
+          <p:nvPr>
+            <p:ph type="title"/>
+          </p:nvPr>
+        </p:nvSpPr>
+        <p:spPr>
+          <a:xfrm>
+            <a:off x="1297500" y="393750"/>
+            <a:ext cx="3798900" cy="1493100"/>
+          </a:xfrm>
+          <a:prstGeom prst="rect">
+            <a:avLst/>
+          </a:prstGeom>
+        </p:spPr>
+        <p:txBody>
+          <a:bodyPr anchorCtr="0" anchor="t" bIns="91425" lIns="91425" spcFirstLastPara="1" rIns="91425" wrap="square" tIns="91425">
+            <a:normAutofit/>
+          </a:bodyPr>
+          <a:lstStyle/>
+          <a:p>
+            <a:pPr indent="0" lvl="0" marL="0" rtl="0" algn="l">
+              <a:spcBef>
+                <a:spcPts val="0"/>
+              </a:spcBef>
+              <a:spcAft>
+                <a:spcPts val="0"/>
+              </a:spcAft>
+              <a:buNone/>
+            </a:pPr>
+            <a:r>
+              <a:rPr lang="en" u="sng">
+                <a:solidFill>
+                  <a:schemeClr val="hlink"/>
+                </a:solidFill>
+                <a:hlinkClick r:id="rId3"/>
+              </a:rPr>
+              <a:t>Scanning PDF for Inputs Prototype</a:t>
+            </a:r>
+            <a:endParaRPr/>
+          </a:p>
+        </p:txBody>
+      </p:sp>
+      <p:sp>
+        <p:nvSpPr>
+          <p:cNvPr id="169" name="Google Shape;169;p18"/>
+          <p:cNvSpPr txBox="1"/>
+          <p:nvPr>
+            <p:ph idx="1" type="body"/>
+          </p:nvPr>
+        </p:nvSpPr>
+        <p:spPr>
+          <a:xfrm>
+            <a:off x="1297500" y="1972550"/>
+            <a:ext cx="3798900" cy="2415900"/>
+          </a:xfrm>
+          <a:prstGeom prst="rect">
+            <a:avLst/>
+          </a:prstGeom>
+        </p:spPr>
+        <p:txBody>
+          <a:bodyPr anchorCtr="0" anchor="t" bIns="91425" lIns="91425" spcFirstLastPara="1" rIns="91425" wrap="square" tIns="91425">
+            <a:normAutofit/>
+          </a:bodyPr>
+          <a:lstStyle/>
+          <a:p>
+            <a:pPr indent="0" lvl="0" marL="0" rtl="0" algn="l">
+              <a:spcBef>
+                <a:spcPts val="0"/>
+              </a:spcBef>
+              <a:spcAft>
+                <a:spcPts val="1200"/>
+              </a:spcAft>
+              <a:buNone/>
+            </a:pPr>
+            <a:r>
+              <a:rPr lang="en"/>
+              <a:t>Here is a prototype made in Figma that shows what the interface for this program might look like. For each input that the program finds, it </a:t>
+            </a:r>
+            <a:r>
+              <a:rPr lang="en"/>
+              <a:t>will</a:t>
+            </a:r>
+            <a:r>
+              <a:rPr lang="en"/>
+              <a:t> zoom in on that part of the PDF, then have a text box below for input. The user would be able to drag their finger along the pdf part of the screen to pan it and read text that might be cut off.</a:t>
+            </a:r>
+            <a:endParaRPr/>
+          </a:p>
+        </p:txBody>
+      </p:sp>
+      <p:pic>
+        <p:nvPicPr>
+          <p:cNvPr id="170" name="Google Shape;170;p18">
+            <a:hlinkClick r:id="rId4"/>
+          </p:cNvPr>
+          <p:cNvPicPr preferRelativeResize="0"/>
+          <p:nvPr/>
+        </p:nvPicPr>
+        <p:blipFill>
+          <a:blip r:embed="rId5">
+            <a:alphaModFix/>
+          </a:blip>
+          <a:stretch>
+            <a:fillRect/>
+          </a:stretch>
+        </p:blipFill>
+        <p:spPr>
+          <a:xfrm>
+            <a:off x="5556725" y="393750"/>
+            <a:ext cx="2978125" cy="4453525"/>
+          </a:xfrm>
+          <a:prstGeom prst="rect">
+            <a:avLst/>
+          </a:prstGeom>
+          <a:noFill/>
+          <a:ln>
+            <a:noFill/>
+          </a:ln>
+        </p:spPr>
+      </p:pic>
+    </p:spTree>
+  </p:cSld>
+  <p:clrMapOvr>
+    <a:masterClrMapping/>
+  </p:clrMapOvr>
+</p:sld>
+</file>
+
+<file path=ppt/slides/slide7.xml><?xml version="1.0" encoding="utf-8"?>
+<p:sld xmlns:a="http://schemas.openxmlformats.org/drawingml/2006/main" xmlns:r="http://schemas.openxmlformats.org/officeDocument/2006/relationships" xmlns:mc="http://schemas.openxmlformats.org/markup-compatibility/2006" xmlns:mv="urn:schemas-microsoft-com:mac:vml" xmlns:p="http://schemas.openxmlformats.org/presentationml/2006/main" xmlns:c="http://schemas.openxmlformats.org/drawingml/2006/chart" xmlns:dgm="http://schemas.openxmlformats.org/drawingml/2006/diagram" xmlns:o="urn:schemas-microsoft-com:office:office" xmlns:v="urn:schemas-microsoft-com:vml" xmlns:pvml="urn:schemas-microsoft-com:office:powerpoint" xmlns:com="http://schemas.openxmlformats.org/drawingml/2006/compatibility" xmlns:p14="http://schemas.microsoft.com/office/powerpoint/2010/main" xmlns:p15="http://schemas.microsoft.com/office/powerpoint/2012/main" xmlns:ahyp="http://schemas.microsoft.com/office/drawing/2018/hyperlinkcolor">
+  <p:cSld>
+    <p:spTree>
+      <p:nvGrpSpPr>
+        <p:cNvPr id="174" name="Shape 174"/>
+        <p:cNvGrpSpPr/>
+        <p:nvPr/>
+      </p:nvGrpSpPr>
+      <p:grpSpPr>
+        <a:xfrm>
+          <a:off x="0" y="0"/>
+          <a:ext cx="0" cy="0"/>
+          <a:chOff x="0" y="0"/>
+          <a:chExt cx="0" cy="0"/>
+        </a:xfrm>
+      </p:grpSpPr>
+      <p:sp>
+        <p:nvSpPr>
+          <p:cNvPr id="175" name="Google Shape;175;p19"/>
           <p:cNvSpPr txBox="1"/>
           <p:nvPr>
             <p:ph type="title"/>
